--- a/project proposal.pptx
+++ b/project proposal.pptx
@@ -104,6 +104,11 @@
       </a:defRPr>
     </a:lvl9pPr>
   </p:defaultTextStyle>
+  <p:extLst>
+    <p:ext uri="{EFAFB233-063F-42B5-8137-9DF3F51BA10A}">
+      <p15:sldGuideLst xmlns:p15="http://schemas.microsoft.com/office/powerpoint/2012/main"/>
+    </p:ext>
+  </p:extLst>
 </p:presentation>
 </file>
 
@@ -308,7 +313,7 @@
           <a:p>
             <a:fld id="{AFE155A3-FC47-4A5B-9E84-BCE120ACDE3A}" type="slidenum">
               <a:rPr lang="en-US" smtClean="0"/>
-              <a:t>‹#›</a:t>
+              <a:t>‹Nr.›</a:t>
             </a:fld>
             <a:endParaRPr lang="en-US"/>
           </a:p>
@@ -506,7 +511,7 @@
           <a:p>
             <a:fld id="{AFE155A3-FC47-4A5B-9E84-BCE120ACDE3A}" type="slidenum">
               <a:rPr lang="en-US" smtClean="0"/>
-              <a:t>‹#›</a:t>
+              <a:t>‹Nr.›</a:t>
             </a:fld>
             <a:endParaRPr lang="en-US"/>
           </a:p>
@@ -714,7 +719,7 @@
           <a:p>
             <a:fld id="{AFE155A3-FC47-4A5B-9E84-BCE120ACDE3A}" type="slidenum">
               <a:rPr lang="en-US" smtClean="0"/>
-              <a:t>‹#›</a:t>
+              <a:t>‹Nr.›</a:t>
             </a:fld>
             <a:endParaRPr lang="en-US"/>
           </a:p>
@@ -912,7 +917,7 @@
           <a:p>
             <a:fld id="{AFE155A3-FC47-4A5B-9E84-BCE120ACDE3A}" type="slidenum">
               <a:rPr lang="en-US" smtClean="0"/>
-              <a:t>‹#›</a:t>
+              <a:t>‹Nr.›</a:t>
             </a:fld>
             <a:endParaRPr lang="en-US"/>
           </a:p>
@@ -1187,7 +1192,7 @@
           <a:p>
             <a:fld id="{AFE155A3-FC47-4A5B-9E84-BCE120ACDE3A}" type="slidenum">
               <a:rPr lang="en-US" smtClean="0"/>
-              <a:t>‹#›</a:t>
+              <a:t>‹Nr.›</a:t>
             </a:fld>
             <a:endParaRPr lang="en-US"/>
           </a:p>
@@ -1452,7 +1457,7 @@
           <a:p>
             <a:fld id="{AFE155A3-FC47-4A5B-9E84-BCE120ACDE3A}" type="slidenum">
               <a:rPr lang="en-US" smtClean="0"/>
-              <a:t>‹#›</a:t>
+              <a:t>‹Nr.›</a:t>
             </a:fld>
             <a:endParaRPr lang="en-US"/>
           </a:p>
@@ -1864,7 +1869,7 @@
           <a:p>
             <a:fld id="{AFE155A3-FC47-4A5B-9E84-BCE120ACDE3A}" type="slidenum">
               <a:rPr lang="en-US" smtClean="0"/>
-              <a:t>‹#›</a:t>
+              <a:t>‹Nr.›</a:t>
             </a:fld>
             <a:endParaRPr lang="en-US"/>
           </a:p>
@@ -2005,7 +2010,7 @@
           <a:p>
             <a:fld id="{AFE155A3-FC47-4A5B-9E84-BCE120ACDE3A}" type="slidenum">
               <a:rPr lang="en-US" smtClean="0"/>
-              <a:t>‹#›</a:t>
+              <a:t>‹Nr.›</a:t>
             </a:fld>
             <a:endParaRPr lang="en-US"/>
           </a:p>
@@ -2118,7 +2123,7 @@
           <a:p>
             <a:fld id="{AFE155A3-FC47-4A5B-9E84-BCE120ACDE3A}" type="slidenum">
               <a:rPr lang="en-US" smtClean="0"/>
-              <a:t>‹#›</a:t>
+              <a:t>‹Nr.›</a:t>
             </a:fld>
             <a:endParaRPr lang="en-US"/>
           </a:p>
@@ -2429,7 +2434,7 @@
           <a:p>
             <a:fld id="{AFE155A3-FC47-4A5B-9E84-BCE120ACDE3A}" type="slidenum">
               <a:rPr lang="en-US" smtClean="0"/>
-              <a:t>‹#›</a:t>
+              <a:t>‹Nr.›</a:t>
             </a:fld>
             <a:endParaRPr lang="en-US"/>
           </a:p>
@@ -2717,7 +2722,7 @@
           <a:p>
             <a:fld id="{AFE155A3-FC47-4A5B-9E84-BCE120ACDE3A}" type="slidenum">
               <a:rPr lang="en-US" smtClean="0"/>
-              <a:t>‹#›</a:t>
+              <a:t>‹Nr.›</a:t>
             </a:fld>
             <a:endParaRPr lang="en-US"/>
           </a:p>
@@ -2994,7 +2999,7 @@
           <a:p>
             <a:fld id="{AFE155A3-FC47-4A5B-9E84-BCE120ACDE3A}" type="slidenum">
               <a:rPr lang="en-US" smtClean="0"/>
-              <a:t>‹#›</a:t>
+              <a:t>‹Nr.›</a:t>
             </a:fld>
             <a:endParaRPr lang="en-US"/>
           </a:p>
@@ -3371,7 +3376,10 @@
           <a:bodyPr/>
           <a:lstStyle/>
           <a:p>
-            <a:endParaRPr lang="en-US"/>
+            <a:r>
+              <a:rPr lang="en-US"/>
+              <a:t>Otsu thresholding</a:t>
+            </a:r>
           </a:p>
         </p:txBody>
       </p:sp>

--- a/project proposal.pptx
+++ b/project proposal.pptx
@@ -313,7 +313,7 @@
           <a:p>
             <a:fld id="{AFE155A3-FC47-4A5B-9E84-BCE120ACDE3A}" type="slidenum">
               <a:rPr lang="en-US" smtClean="0"/>
-              <a:t>‹Nr.›</a:t>
+              <a:t>‹#›</a:t>
             </a:fld>
             <a:endParaRPr lang="en-US"/>
           </a:p>
@@ -511,7 +511,7 @@
           <a:p>
             <a:fld id="{AFE155A3-FC47-4A5B-9E84-BCE120ACDE3A}" type="slidenum">
               <a:rPr lang="en-US" smtClean="0"/>
-              <a:t>‹Nr.›</a:t>
+              <a:t>‹#›</a:t>
             </a:fld>
             <a:endParaRPr lang="en-US"/>
           </a:p>
@@ -719,7 +719,7 @@
           <a:p>
             <a:fld id="{AFE155A3-FC47-4A5B-9E84-BCE120ACDE3A}" type="slidenum">
               <a:rPr lang="en-US" smtClean="0"/>
-              <a:t>‹Nr.›</a:t>
+              <a:t>‹#›</a:t>
             </a:fld>
             <a:endParaRPr lang="en-US"/>
           </a:p>
@@ -917,7 +917,7 @@
           <a:p>
             <a:fld id="{AFE155A3-FC47-4A5B-9E84-BCE120ACDE3A}" type="slidenum">
               <a:rPr lang="en-US" smtClean="0"/>
-              <a:t>‹Nr.›</a:t>
+              <a:t>‹#›</a:t>
             </a:fld>
             <a:endParaRPr lang="en-US"/>
           </a:p>
@@ -1192,7 +1192,7 @@
           <a:p>
             <a:fld id="{AFE155A3-FC47-4A5B-9E84-BCE120ACDE3A}" type="slidenum">
               <a:rPr lang="en-US" smtClean="0"/>
-              <a:t>‹Nr.›</a:t>
+              <a:t>‹#›</a:t>
             </a:fld>
             <a:endParaRPr lang="en-US"/>
           </a:p>
@@ -1457,7 +1457,7 @@
           <a:p>
             <a:fld id="{AFE155A3-FC47-4A5B-9E84-BCE120ACDE3A}" type="slidenum">
               <a:rPr lang="en-US" smtClean="0"/>
-              <a:t>‹Nr.›</a:t>
+              <a:t>‹#›</a:t>
             </a:fld>
             <a:endParaRPr lang="en-US"/>
           </a:p>
@@ -1869,7 +1869,7 @@
           <a:p>
             <a:fld id="{AFE155A3-FC47-4A5B-9E84-BCE120ACDE3A}" type="slidenum">
               <a:rPr lang="en-US" smtClean="0"/>
-              <a:t>‹Nr.›</a:t>
+              <a:t>‹#›</a:t>
             </a:fld>
             <a:endParaRPr lang="en-US"/>
           </a:p>
@@ -2010,7 +2010,7 @@
           <a:p>
             <a:fld id="{AFE155A3-FC47-4A5B-9E84-BCE120ACDE3A}" type="slidenum">
               <a:rPr lang="en-US" smtClean="0"/>
-              <a:t>‹Nr.›</a:t>
+              <a:t>‹#›</a:t>
             </a:fld>
             <a:endParaRPr lang="en-US"/>
           </a:p>
@@ -2123,7 +2123,7 @@
           <a:p>
             <a:fld id="{AFE155A3-FC47-4A5B-9E84-BCE120ACDE3A}" type="slidenum">
               <a:rPr lang="en-US" smtClean="0"/>
-              <a:t>‹Nr.›</a:t>
+              <a:t>‹#›</a:t>
             </a:fld>
             <a:endParaRPr lang="en-US"/>
           </a:p>
@@ -2434,7 +2434,7 @@
           <a:p>
             <a:fld id="{AFE155A3-FC47-4A5B-9E84-BCE120ACDE3A}" type="slidenum">
               <a:rPr lang="en-US" smtClean="0"/>
-              <a:t>‹Nr.›</a:t>
+              <a:t>‹#›</a:t>
             </a:fld>
             <a:endParaRPr lang="en-US"/>
           </a:p>
@@ -2722,7 +2722,7 @@
           <a:p>
             <a:fld id="{AFE155A3-FC47-4A5B-9E84-BCE120ACDE3A}" type="slidenum">
               <a:rPr lang="en-US" smtClean="0"/>
-              <a:t>‹Nr.›</a:t>
+              <a:t>‹#›</a:t>
             </a:fld>
             <a:endParaRPr lang="en-US"/>
           </a:p>
@@ -2999,7 +2999,7 @@
           <a:p>
             <a:fld id="{AFE155A3-FC47-4A5B-9E84-BCE120ACDE3A}" type="slidenum">
               <a:rPr lang="en-US" smtClean="0"/>
-              <a:t>‹Nr.›</a:t>
+              <a:t>‹#›</a:t>
             </a:fld>
             <a:endParaRPr lang="en-US"/>
           </a:p>
@@ -3348,10 +3348,17 @@
           <a:lstStyle/>
           <a:p>
             <a:r>
-              <a:rPr lang="lv-LV"/>
-              <a:t>test</a:t>
-            </a:r>
-            <a:endParaRPr lang="en-US"/>
+              <a:rPr lang="lv-LV" dirty="0"/>
+              <a:t>Cell nuclei segmentation</a:t>
+            </a:r>
+            <a:br>
+              <a:rPr lang="lv-LV" dirty="0"/>
+            </a:br>
+            <a:r>
+              <a:rPr lang="lv-LV" sz="4000" dirty="0"/>
+              <a:t>via OTSU tresholding </a:t>
+            </a:r>
+            <a:endParaRPr lang="en-US" dirty="0"/>
           </a:p>
         </p:txBody>
       </p:sp>
@@ -3373,13 +3380,55 @@
         </p:nvSpPr>
         <p:spPr/>
         <p:txBody>
-          <a:bodyPr/>
-          <a:lstStyle/>
-          <a:p>
-            <a:r>
-              <a:rPr lang="en-US"/>
-              <a:t>Otsu thresholding</a:t>
-            </a:r>
+          <a:bodyPr>
+            <a:normAutofit fontScale="55000" lnSpcReduction="20000"/>
+          </a:bodyPr>
+          <a:lstStyle/>
+          <a:p>
+            <a:pPr algn="l"/>
+            <a:r>
+              <a:rPr lang="lv-LV" dirty="0"/>
+              <a:t>Project proposal</a:t>
+            </a:r>
+          </a:p>
+          <a:p>
+            <a:pPr algn="l"/>
+            <a:r>
+              <a:rPr lang="lv-LV" dirty="0"/>
+              <a:t>18th May 2022</a:t>
+            </a:r>
+          </a:p>
+          <a:p>
+            <a:pPr algn="l"/>
+            <a:r>
+              <a:rPr lang="lv-LV" dirty="0"/>
+              <a:t>Data Analysis MoBi SS2022</a:t>
+            </a:r>
+          </a:p>
+          <a:p>
+            <a:pPr algn="l"/>
+            <a:r>
+              <a:rPr lang="lv-LV" dirty="0"/>
+              <a:t>Supervisor: Dr. Karl Rohr, Christian ritter; Tutor: Marie Becker</a:t>
+            </a:r>
+          </a:p>
+          <a:p>
+            <a:pPr algn="l"/>
+            <a:r>
+              <a:rPr lang="lv-LV" dirty="0"/>
+              <a:t>Topic 01: Image Analysis</a:t>
+            </a:r>
+          </a:p>
+          <a:p>
+            <a:pPr algn="l"/>
+            <a:r>
+              <a:rPr lang="lv-LV" dirty="0"/>
+              <a:t>Team 04: Marie Claire Indilewitsch, Helen Jade, Maribel Schneider, Ieva Sorokina-Ozola</a:t>
+            </a:r>
+          </a:p>
+          <a:p>
+            <a:pPr algn="l"/>
+            <a:endParaRPr lang="en-US" dirty="0"/>
           </a:p>
         </p:txBody>
       </p:sp>

--- a/project proposal.pptx
+++ b/project proposal.pptx
@@ -6,6 +6,9 @@
   </p:sldMasterIdLst>
   <p:sldIdLst>
     <p:sldId id="256" r:id="rId2"/>
+    <p:sldId id="257" r:id="rId3"/>
+    <p:sldId id="258" r:id="rId4"/>
+    <p:sldId id="259" r:id="rId5"/>
   </p:sldIdLst>
   <p:sldSz cx="12192000" cy="6858000"/>
   <p:notesSz cx="6858000" cy="9144000"/>
@@ -3445,6 +3448,258 @@
 </p:sld>
 </file>
 
+<file path=ppt/slides/slide2.xml><?xml version="1.0" encoding="utf-8"?>
+<p:sld xmlns:a="http://schemas.openxmlformats.org/drawingml/2006/main" xmlns:r="http://schemas.openxmlformats.org/officeDocument/2006/relationships" xmlns:p="http://schemas.openxmlformats.org/presentationml/2006/main">
+  <p:cSld>
+    <p:spTree>
+      <p:nvGrpSpPr>
+        <p:cNvPr id="1" name=""/>
+        <p:cNvGrpSpPr/>
+        <p:nvPr/>
+      </p:nvGrpSpPr>
+      <p:grpSpPr>
+        <a:xfrm>
+          <a:off x="0" y="0"/>
+          <a:ext cx="0" cy="0"/>
+          <a:chOff x="0" y="0"/>
+          <a:chExt cx="0" cy="0"/>
+        </a:xfrm>
+      </p:grpSpPr>
+      <p:sp>
+        <p:nvSpPr>
+          <p:cNvPr id="2" name="Title 1">
+            <a:extLst>
+              <a:ext uri="{FF2B5EF4-FFF2-40B4-BE49-F238E27FC236}">
+                <a16:creationId xmlns:a16="http://schemas.microsoft.com/office/drawing/2014/main" id="{63F04B50-8CBF-D8C7-708D-990A1415013D}"/>
+              </a:ext>
+            </a:extLst>
+          </p:cNvPr>
+          <p:cNvSpPr>
+            <a:spLocks noGrp="1"/>
+          </p:cNvSpPr>
+          <p:nvPr>
+            <p:ph type="title"/>
+          </p:nvPr>
+        </p:nvSpPr>
+        <p:spPr/>
+        <p:txBody>
+          <a:bodyPr/>
+          <a:lstStyle/>
+          <a:p>
+            <a:r>
+              <a:rPr lang="lv-LV" dirty="0"/>
+              <a:t>Datasets (Helen)</a:t>
+            </a:r>
+            <a:endParaRPr lang="en-US" dirty="0"/>
+          </a:p>
+        </p:txBody>
+      </p:sp>
+      <p:sp>
+        <p:nvSpPr>
+          <p:cNvPr id="3" name="Content Placeholder 2">
+            <a:extLst>
+              <a:ext uri="{FF2B5EF4-FFF2-40B4-BE49-F238E27FC236}">
+                <a16:creationId xmlns:a16="http://schemas.microsoft.com/office/drawing/2014/main" id="{6D2899C0-461C-7807-C129-7F2917DC2596}"/>
+              </a:ext>
+            </a:extLst>
+          </p:cNvPr>
+          <p:cNvSpPr>
+            <a:spLocks noGrp="1"/>
+          </p:cNvSpPr>
+          <p:nvPr>
+            <p:ph idx="1"/>
+          </p:nvPr>
+        </p:nvSpPr>
+        <p:spPr/>
+        <p:txBody>
+          <a:bodyPr/>
+          <a:lstStyle/>
+          <a:p>
+            <a:endParaRPr lang="en-US"/>
+          </a:p>
+        </p:txBody>
+      </p:sp>
+    </p:spTree>
+    <p:extLst>
+      <p:ext uri="{BB962C8B-B14F-4D97-AF65-F5344CB8AC3E}">
+        <p14:creationId xmlns:p14="http://schemas.microsoft.com/office/powerpoint/2010/main" val="1727786281"/>
+      </p:ext>
+    </p:extLst>
+  </p:cSld>
+  <p:clrMapOvr>
+    <a:masterClrMapping/>
+  </p:clrMapOvr>
+</p:sld>
+</file>
+
+<file path=ppt/slides/slide3.xml><?xml version="1.0" encoding="utf-8"?>
+<p:sld xmlns:a="http://schemas.openxmlformats.org/drawingml/2006/main" xmlns:r="http://schemas.openxmlformats.org/officeDocument/2006/relationships" xmlns:p="http://schemas.openxmlformats.org/presentationml/2006/main">
+  <p:cSld>
+    <p:spTree>
+      <p:nvGrpSpPr>
+        <p:cNvPr id="1" name=""/>
+        <p:cNvGrpSpPr/>
+        <p:nvPr/>
+      </p:nvGrpSpPr>
+      <p:grpSpPr>
+        <a:xfrm>
+          <a:off x="0" y="0"/>
+          <a:ext cx="0" cy="0"/>
+          <a:chOff x="0" y="0"/>
+          <a:chExt cx="0" cy="0"/>
+        </a:xfrm>
+      </p:grpSpPr>
+      <p:sp>
+        <p:nvSpPr>
+          <p:cNvPr id="2" name="Title 1">
+            <a:extLst>
+              <a:ext uri="{FF2B5EF4-FFF2-40B4-BE49-F238E27FC236}">
+                <a16:creationId xmlns:a16="http://schemas.microsoft.com/office/drawing/2014/main" id="{306532E7-4D08-A070-75B6-70CE49CA149F}"/>
+              </a:ext>
+            </a:extLst>
+          </p:cNvPr>
+          <p:cNvSpPr>
+            <a:spLocks noGrp="1"/>
+          </p:cNvSpPr>
+          <p:nvPr>
+            <p:ph type="title"/>
+          </p:nvPr>
+        </p:nvSpPr>
+        <p:spPr/>
+        <p:txBody>
+          <a:bodyPr/>
+          <a:lstStyle/>
+          <a:p>
+            <a:r>
+              <a:rPr lang="lv-LV" dirty="0"/>
+              <a:t>Methods (Maribel+Ieva)</a:t>
+            </a:r>
+            <a:endParaRPr lang="en-US" dirty="0"/>
+          </a:p>
+        </p:txBody>
+      </p:sp>
+      <p:sp>
+        <p:nvSpPr>
+          <p:cNvPr id="3" name="Content Placeholder 2">
+            <a:extLst>
+              <a:ext uri="{FF2B5EF4-FFF2-40B4-BE49-F238E27FC236}">
+                <a16:creationId xmlns:a16="http://schemas.microsoft.com/office/drawing/2014/main" id="{074A3AB4-8928-A141-89F6-A059013E1A0A}"/>
+              </a:ext>
+            </a:extLst>
+          </p:cNvPr>
+          <p:cNvSpPr>
+            <a:spLocks noGrp="1"/>
+          </p:cNvSpPr>
+          <p:nvPr>
+            <p:ph idx="1"/>
+          </p:nvPr>
+        </p:nvSpPr>
+        <p:spPr/>
+        <p:txBody>
+          <a:bodyPr/>
+          <a:lstStyle/>
+          <a:p>
+            <a:endParaRPr lang="en-US"/>
+          </a:p>
+        </p:txBody>
+      </p:sp>
+    </p:spTree>
+    <p:extLst>
+      <p:ext uri="{BB962C8B-B14F-4D97-AF65-F5344CB8AC3E}">
+        <p14:creationId xmlns:p14="http://schemas.microsoft.com/office/powerpoint/2010/main" val="3932066653"/>
+      </p:ext>
+    </p:extLst>
+  </p:cSld>
+  <p:clrMapOvr>
+    <a:masterClrMapping/>
+  </p:clrMapOvr>
+</p:sld>
+</file>
+
+<file path=ppt/slides/slide4.xml><?xml version="1.0" encoding="utf-8"?>
+<p:sld xmlns:a="http://schemas.openxmlformats.org/drawingml/2006/main" xmlns:r="http://schemas.openxmlformats.org/officeDocument/2006/relationships" xmlns:p="http://schemas.openxmlformats.org/presentationml/2006/main">
+  <p:cSld>
+    <p:spTree>
+      <p:nvGrpSpPr>
+        <p:cNvPr id="1" name=""/>
+        <p:cNvGrpSpPr/>
+        <p:nvPr/>
+      </p:nvGrpSpPr>
+      <p:grpSpPr>
+        <a:xfrm>
+          <a:off x="0" y="0"/>
+          <a:ext cx="0" cy="0"/>
+          <a:chOff x="0" y="0"/>
+          <a:chExt cx="0" cy="0"/>
+        </a:xfrm>
+      </p:grpSpPr>
+      <p:sp>
+        <p:nvSpPr>
+          <p:cNvPr id="2" name="Title 1">
+            <a:extLst>
+              <a:ext uri="{FF2B5EF4-FFF2-40B4-BE49-F238E27FC236}">
+                <a16:creationId xmlns:a16="http://schemas.microsoft.com/office/drawing/2014/main" id="{882538FF-679D-CE57-62EB-3B23D2A40E11}"/>
+              </a:ext>
+            </a:extLst>
+          </p:cNvPr>
+          <p:cNvSpPr>
+            <a:spLocks noGrp="1"/>
+          </p:cNvSpPr>
+          <p:nvPr>
+            <p:ph type="title"/>
+          </p:nvPr>
+        </p:nvSpPr>
+        <p:spPr/>
+        <p:txBody>
+          <a:bodyPr/>
+          <a:lstStyle/>
+          <a:p>
+            <a:r>
+              <a:rPr lang="lv-LV" dirty="0"/>
+              <a:t>Project management (Maribel – otsu; Ieva – Dice score)</a:t>
+            </a:r>
+            <a:endParaRPr lang="en-US" dirty="0"/>
+          </a:p>
+        </p:txBody>
+      </p:sp>
+      <p:sp>
+        <p:nvSpPr>
+          <p:cNvPr id="3" name="Content Placeholder 2">
+            <a:extLst>
+              <a:ext uri="{FF2B5EF4-FFF2-40B4-BE49-F238E27FC236}">
+                <a16:creationId xmlns:a16="http://schemas.microsoft.com/office/drawing/2014/main" id="{02848C9E-1C36-FEA5-00F9-B98586F16572}"/>
+              </a:ext>
+            </a:extLst>
+          </p:cNvPr>
+          <p:cNvSpPr>
+            <a:spLocks noGrp="1"/>
+          </p:cNvSpPr>
+          <p:nvPr>
+            <p:ph idx="1"/>
+          </p:nvPr>
+        </p:nvSpPr>
+        <p:spPr/>
+        <p:txBody>
+          <a:bodyPr/>
+          <a:lstStyle/>
+          <a:p>
+            <a:endParaRPr lang="en-US"/>
+          </a:p>
+        </p:txBody>
+      </p:sp>
+    </p:spTree>
+    <p:extLst>
+      <p:ext uri="{BB962C8B-B14F-4D97-AF65-F5344CB8AC3E}">
+        <p14:creationId xmlns:p14="http://schemas.microsoft.com/office/powerpoint/2010/main" val="3810696812"/>
+      </p:ext>
+    </p:extLst>
+  </p:cSld>
+  <p:clrMapOvr>
+    <a:masterClrMapping/>
+  </p:clrMapOvr>
+</p:sld>
+</file>
+
 <file path=ppt/theme/theme1.xml><?xml version="1.0" encoding="utf-8"?>
 <a:theme xmlns:a="http://schemas.openxmlformats.org/drawingml/2006/main" name="Office Theme">
   <a:themeElements>
